--- a/Day2/2a_Nonlinear/Nonlinear models.pptx
+++ b/Day2/2a_Nonlinear/Nonlinear models.pptx
@@ -8,7 +8,6 @@
     <p:sldId id="256" r:id="rId2"/>
     <p:sldId id="258" r:id="rId3"/>
     <p:sldId id="259" r:id="rId4"/>
-    <p:sldId id="260" r:id="rId5"/>
   </p:sldIdLst>
   <p:sldSz cx="12192000" cy="6858000"/>
   <p:notesSz cx="6858000" cy="9144000"/>
@@ -262,7 +261,7 @@
           <a:p>
             <a:fld id="{0917B9E5-2D7B-4DF3-B3B5-E0079AA222AB}" type="datetimeFigureOut">
               <a:rPr lang="en-US" smtClean="0"/>
-              <a:t>3/8/2018</a:t>
+              <a:t>3/13/2018</a:t>
             </a:fld>
             <a:endParaRPr lang="en-US"/>
           </a:p>
@@ -460,7 +459,7 @@
           <a:p>
             <a:fld id="{0917B9E5-2D7B-4DF3-B3B5-E0079AA222AB}" type="datetimeFigureOut">
               <a:rPr lang="en-US" smtClean="0"/>
-              <a:t>3/8/2018</a:t>
+              <a:t>3/13/2018</a:t>
             </a:fld>
             <a:endParaRPr lang="en-US"/>
           </a:p>
@@ -668,7 +667,7 @@
           <a:p>
             <a:fld id="{0917B9E5-2D7B-4DF3-B3B5-E0079AA222AB}" type="datetimeFigureOut">
               <a:rPr lang="en-US" smtClean="0"/>
-              <a:t>3/8/2018</a:t>
+              <a:t>3/13/2018</a:t>
             </a:fld>
             <a:endParaRPr lang="en-US"/>
           </a:p>
@@ -866,7 +865,7 @@
           <a:p>
             <a:fld id="{0917B9E5-2D7B-4DF3-B3B5-E0079AA222AB}" type="datetimeFigureOut">
               <a:rPr lang="en-US" smtClean="0"/>
-              <a:t>3/8/2018</a:t>
+              <a:t>3/13/2018</a:t>
             </a:fld>
             <a:endParaRPr lang="en-US"/>
           </a:p>
@@ -1141,7 +1140,7 @@
           <a:p>
             <a:fld id="{0917B9E5-2D7B-4DF3-B3B5-E0079AA222AB}" type="datetimeFigureOut">
               <a:rPr lang="en-US" smtClean="0"/>
-              <a:t>3/8/2018</a:t>
+              <a:t>3/13/2018</a:t>
             </a:fld>
             <a:endParaRPr lang="en-US"/>
           </a:p>
@@ -1406,7 +1405,7 @@
           <a:p>
             <a:fld id="{0917B9E5-2D7B-4DF3-B3B5-E0079AA222AB}" type="datetimeFigureOut">
               <a:rPr lang="en-US" smtClean="0"/>
-              <a:t>3/8/2018</a:t>
+              <a:t>3/13/2018</a:t>
             </a:fld>
             <a:endParaRPr lang="en-US"/>
           </a:p>
@@ -1818,7 +1817,7 @@
           <a:p>
             <a:fld id="{0917B9E5-2D7B-4DF3-B3B5-E0079AA222AB}" type="datetimeFigureOut">
               <a:rPr lang="en-US" smtClean="0"/>
-              <a:t>3/8/2018</a:t>
+              <a:t>3/13/2018</a:t>
             </a:fld>
             <a:endParaRPr lang="en-US"/>
           </a:p>
@@ -1959,7 +1958,7 @@
           <a:p>
             <a:fld id="{0917B9E5-2D7B-4DF3-B3B5-E0079AA222AB}" type="datetimeFigureOut">
               <a:rPr lang="en-US" smtClean="0"/>
-              <a:t>3/8/2018</a:t>
+              <a:t>3/13/2018</a:t>
             </a:fld>
             <a:endParaRPr lang="en-US"/>
           </a:p>
@@ -2072,7 +2071,7 @@
           <a:p>
             <a:fld id="{0917B9E5-2D7B-4DF3-B3B5-E0079AA222AB}" type="datetimeFigureOut">
               <a:rPr lang="en-US" smtClean="0"/>
-              <a:t>3/8/2018</a:t>
+              <a:t>3/13/2018</a:t>
             </a:fld>
             <a:endParaRPr lang="en-US"/>
           </a:p>
@@ -2383,7 +2382,7 @@
           <a:p>
             <a:fld id="{0917B9E5-2D7B-4DF3-B3B5-E0079AA222AB}" type="datetimeFigureOut">
               <a:rPr lang="en-US" smtClean="0"/>
-              <a:t>3/8/2018</a:t>
+              <a:t>3/13/2018</a:t>
             </a:fld>
             <a:endParaRPr lang="en-US"/>
           </a:p>
@@ -2671,7 +2670,7 @@
           <a:p>
             <a:fld id="{0917B9E5-2D7B-4DF3-B3B5-E0079AA222AB}" type="datetimeFigureOut">
               <a:rPr lang="en-US" smtClean="0"/>
-              <a:t>3/8/2018</a:t>
+              <a:t>3/13/2018</a:t>
             </a:fld>
             <a:endParaRPr lang="en-US"/>
           </a:p>
@@ -2912,7 +2911,7 @@
           <a:p>
             <a:fld id="{0917B9E5-2D7B-4DF3-B3B5-E0079AA222AB}" type="datetimeFigureOut">
               <a:rPr lang="en-US" smtClean="0"/>
-              <a:t>3/8/2018</a:t>
+              <a:t>3/13/2018</a:t>
             </a:fld>
             <a:endParaRPr lang="en-US"/>
           </a:p>
@@ -3520,7 +3519,7 @@
               <a:rPr lang="en-US" dirty="0">
                 <a:latin typeface="Helvetica" panose="020B0504020202030204" pitchFamily="34" charset="0"/>
               </a:rPr>
-              <a:t>Start with “vonbert1.tpl” and “vonbert1.dat”</a:t>
+              <a:t>Fill in “vonbert2.tpl” base on Excel file</a:t>
             </a:r>
           </a:p>
           <a:p>
@@ -3532,7 +3531,7 @@
               <a:rPr lang="en-US" dirty="0">
                 <a:latin typeface="Helvetica" panose="020B0504020202030204" pitchFamily="34" charset="0"/>
               </a:rPr>
-              <a:t>Save as “vonbert2.tpl” and “vonbert2.dat”</a:t>
+              <a:t>Calculate standard deviations of predicted length</a:t>
             </a:r>
           </a:p>
           <a:p>
@@ -3544,19 +3543,7 @@
               <a:rPr lang="en-US" dirty="0">
                 <a:latin typeface="Helvetica" panose="020B0504020202030204" pitchFamily="34" charset="0"/>
               </a:rPr>
-              <a:t>Calculate standard deviations of predicted length</a:t>
-            </a:r>
-          </a:p>
-          <a:p>
-            <a:pPr marL="514350" indent="-514350">
-              <a:buFont typeface="+mj-lt"/>
-              <a:buAutoNum type="arabicParenR"/>
-            </a:pPr>
-            <a:r>
-              <a:rPr lang="en-US" dirty="0">
-                <a:latin typeface="Helvetica" panose="020B0504020202030204" pitchFamily="34" charset="0"/>
-              </a:rPr>
-              <a:t>Add REPORT_SECTION</a:t>
+              <a:t>Include REPORT_SECTION</a:t>
             </a:r>
           </a:p>
           <a:p>
@@ -3644,50 +3631,14 @@
           <a:lstStyle/>
           <a:p>
             <a:r>
-              <a:rPr lang="en-US" sz="4000" dirty="0" err="1">
-                <a:latin typeface="Helvetica" panose="020B0504020202030204" pitchFamily="34" charset="0"/>
-              </a:rPr>
-              <a:t>Beverton</a:t>
-            </a:r>
-            <a:r>
               <a:rPr lang="en-US" sz="4000" dirty="0">
                 <a:latin typeface="Helvetica" panose="020B0504020202030204" pitchFamily="34" charset="0"/>
               </a:rPr>
-              <a:t>-Holt stock-recruit parameterizations</a:t>
-            </a:r>
-          </a:p>
-        </p:txBody>
-      </p:sp>
-      <p:pic>
-        <p:nvPicPr>
-          <p:cNvPr id="4" name="Picture 3">
-            <a:extLst>
-              <a:ext uri="{FF2B5EF4-FFF2-40B4-BE49-F238E27FC236}">
-                <a16:creationId xmlns:a16="http://schemas.microsoft.com/office/drawing/2014/main" id="{76956B0B-ABC6-46C0-B68B-EA47A95E9B32}"/>
-              </a:ext>
-            </a:extLst>
-          </p:cNvPr>
-          <p:cNvPicPr>
-            <a:picLocks noChangeAspect="1"/>
-          </p:cNvPicPr>
-          <p:nvPr/>
-        </p:nvPicPr>
-        <p:blipFill>
-          <a:blip r:embed="rId2"/>
-          <a:stretch>
-            <a:fillRect/>
-          </a:stretch>
-        </p:blipFill>
-        <p:spPr>
-          <a:xfrm>
-            <a:off x="628650" y="1234713"/>
-            <a:ext cx="5467350" cy="5448300"/>
-          </a:xfrm>
-          <a:prstGeom prst="rect">
-            <a:avLst/>
-          </a:prstGeom>
-        </p:spPr>
-      </p:pic>
+              <a:t>Stock-recruit parameterizations</a:t>
+            </a:r>
+          </a:p>
+        </p:txBody>
+      </p:sp>
       <p:sp>
         <p:nvSpPr>
           <p:cNvPr id="5" name="Content Placeholder 2">
@@ -3722,19 +3673,7 @@
               <a:rPr lang="en-US" dirty="0">
                 <a:latin typeface="Helvetica" panose="020B0504020202030204" pitchFamily="34" charset="0"/>
               </a:rPr>
-              <a:t>Run a few parameterizations of </a:t>
-            </a:r>
-            <a:r>
-              <a:rPr lang="en-US" dirty="0" err="1">
-                <a:latin typeface="Helvetica" panose="020B0504020202030204" pitchFamily="34" charset="0"/>
-              </a:rPr>
-              <a:t>Beverton</a:t>
-            </a:r>
-            <a:r>
-              <a:rPr lang="en-US" dirty="0">
-                <a:latin typeface="Helvetica" panose="020B0504020202030204" pitchFamily="34" charset="0"/>
-              </a:rPr>
-              <a:t>-Holt recruitment</a:t>
+              <a:t>Run two parameterizations of each stock-recruit relationship</a:t>
             </a:r>
           </a:p>
           <a:p>
@@ -3746,117 +3685,587 @@
               <a:rPr lang="en-US" dirty="0">
                 <a:latin typeface="Helvetica" panose="020B0504020202030204" pitchFamily="34" charset="0"/>
               </a:rPr>
-              <a:t>Read results into single R script to compare in one figure</a:t>
-            </a:r>
-          </a:p>
-          <a:p>
-            <a:pPr marL="514350" indent="-514350">
-              <a:buFont typeface="+mj-lt"/>
-              <a:buAutoNum type="arabicParenR"/>
-            </a:pPr>
-            <a:r>
-              <a:rPr lang="en-US" dirty="0">
-                <a:latin typeface="Helvetica" panose="020B0504020202030204" pitchFamily="34" charset="0"/>
-              </a:rPr>
-              <a:t>Repeat for Ricker curve and compare models</a:t>
-            </a:r>
-          </a:p>
-        </p:txBody>
-      </p:sp>
+              <a:t>Read results into single R script to compare </a:t>
+            </a:r>
+          </a:p>
+        </p:txBody>
+      </p:sp>
+      <mc:AlternateContent xmlns:mc="http://schemas.openxmlformats.org/markup-compatibility/2006">
+        <mc:Choice xmlns:a14="http://schemas.microsoft.com/office/drawing/2010/main" Requires="a14">
+          <p:sp>
+            <p:nvSpPr>
+              <p:cNvPr id="3" name="TextBox 2">
+                <a:extLst>
+                  <a:ext uri="{FF2B5EF4-FFF2-40B4-BE49-F238E27FC236}">
+                    <a16:creationId xmlns:a16="http://schemas.microsoft.com/office/drawing/2014/main" id="{8A8B5AB9-0A51-49D3-88FB-AC0A7E84D490}"/>
+                  </a:ext>
+                </a:extLst>
+              </p:cNvPr>
+              <p:cNvSpPr txBox="1"/>
+              <p:nvPr/>
+            </p:nvSpPr>
+            <p:spPr>
+              <a:xfrm>
+                <a:off x="768724" y="1552802"/>
+                <a:ext cx="3568156" cy="2450927"/>
+              </a:xfrm>
+              <a:prstGeom prst="rect">
+                <a:avLst/>
+              </a:prstGeom>
+              <a:noFill/>
+            </p:spPr>
+            <p:txBody>
+              <a:bodyPr wrap="none" lIns="0" tIns="0" rIns="0" bIns="0" rtlCol="0">
+                <a:spAutoFit/>
+              </a:bodyPr>
+              <a:lstStyle/>
+              <a:p>
+                <a:r>
+                  <a:rPr lang="en-US" sz="3200" b="0" dirty="0"/>
+                  <a:t>Beverton-Holt</a:t>
+                </a:r>
+              </a:p>
+              <a:p>
+                <a:r>
+                  <a:rPr lang="en-US" sz="3200" b="0" dirty="0"/>
+                  <a:t>1) 	</a:t>
+                </a:r>
+                <a14:m>
+                  <m:oMath xmlns:m="http://schemas.openxmlformats.org/officeDocument/2006/math">
+                    <m:acc>
+                      <m:accPr>
+                        <m:chr m:val="̂"/>
+                        <m:ctrlPr>
+                          <a:rPr lang="en-US" sz="3200" b="0" i="1" smtClean="0">
+                            <a:latin typeface="Cambria Math" panose="02040503050406030204" pitchFamily="18" charset="0"/>
+                          </a:rPr>
+                        </m:ctrlPr>
+                      </m:accPr>
+                      <m:e>
+                        <m:r>
+                          <a:rPr lang="en-US" sz="3200" b="0" i="1" smtClean="0">
+                            <a:latin typeface="Cambria Math" panose="02040503050406030204" pitchFamily="18" charset="0"/>
+                          </a:rPr>
+                          <m:t>𝑅</m:t>
+                        </m:r>
+                      </m:e>
+                    </m:acc>
+                    <m:r>
+                      <a:rPr lang="en-US" sz="3200" b="0" i="1" smtClean="0">
+                        <a:latin typeface="Cambria Math" panose="02040503050406030204" pitchFamily="18" charset="0"/>
+                      </a:rPr>
+                      <m:t>=</m:t>
+                    </m:r>
+                    <m:sSub>
+                      <m:sSubPr>
+                        <m:ctrlPr>
+                          <a:rPr lang="en-US" sz="3200" b="0" i="1" smtClean="0">
+                            <a:latin typeface="Cambria Math" panose="02040503050406030204" pitchFamily="18" charset="0"/>
+                          </a:rPr>
+                        </m:ctrlPr>
+                      </m:sSubPr>
+                      <m:e>
+                        <m:r>
+                          <a:rPr lang="en-US" sz="3200" b="0" i="1" smtClean="0">
+                            <a:latin typeface="Cambria Math" panose="02040503050406030204" pitchFamily="18" charset="0"/>
+                          </a:rPr>
+                          <m:t>𝑅</m:t>
+                        </m:r>
+                      </m:e>
+                      <m:sub>
+                        <m:r>
+                          <a:rPr lang="en-US" sz="3200" b="0" i="1" smtClean="0">
+                            <a:latin typeface="Cambria Math" panose="02040503050406030204" pitchFamily="18" charset="0"/>
+                          </a:rPr>
+                          <m:t>𝑚𝑎𝑥</m:t>
+                        </m:r>
+                      </m:sub>
+                    </m:sSub>
+                    <m:f>
+                      <m:fPr>
+                        <m:ctrlPr>
+                          <a:rPr lang="en-US" sz="3200" b="0" i="1" smtClean="0">
+                            <a:latin typeface="Cambria Math" panose="02040503050406030204" pitchFamily="18" charset="0"/>
+                          </a:rPr>
+                        </m:ctrlPr>
+                      </m:fPr>
+                      <m:num>
+                        <m:r>
+                          <a:rPr lang="en-US" sz="3200" b="0" i="1" smtClean="0">
+                            <a:latin typeface="Cambria Math" panose="02040503050406030204" pitchFamily="18" charset="0"/>
+                          </a:rPr>
+                          <m:t>𝑆</m:t>
+                        </m:r>
+                      </m:num>
+                      <m:den>
+                        <m:r>
+                          <a:rPr lang="en-US" sz="3200" b="0" i="1" smtClean="0">
+                            <a:latin typeface="Cambria Math" panose="02040503050406030204" pitchFamily="18" charset="0"/>
+                          </a:rPr>
+                          <m:t>𝑆</m:t>
+                        </m:r>
+                        <m:r>
+                          <a:rPr lang="en-US" sz="3200" b="0" i="1" smtClean="0">
+                            <a:latin typeface="Cambria Math" panose="02040503050406030204" pitchFamily="18" charset="0"/>
+                          </a:rPr>
+                          <m:t>+</m:t>
+                        </m:r>
+                        <m:sSub>
+                          <m:sSubPr>
+                            <m:ctrlPr>
+                              <a:rPr lang="en-US" sz="3200" b="0" i="1" smtClean="0">
+                                <a:latin typeface="Cambria Math" panose="02040503050406030204" pitchFamily="18" charset="0"/>
+                              </a:rPr>
+                            </m:ctrlPr>
+                          </m:sSubPr>
+                          <m:e>
+                            <m:r>
+                              <a:rPr lang="en-US" sz="3200" b="0" i="1" smtClean="0">
+                                <a:latin typeface="Cambria Math" panose="02040503050406030204" pitchFamily="18" charset="0"/>
+                              </a:rPr>
+                              <m:t>𝑆</m:t>
+                            </m:r>
+                          </m:e>
+                          <m:sub>
+                            <m:r>
+                              <a:rPr lang="en-US" sz="3200" b="0" i="1" smtClean="0">
+                                <a:latin typeface="Cambria Math" panose="02040503050406030204" pitchFamily="18" charset="0"/>
+                              </a:rPr>
+                              <m:t>50</m:t>
+                            </m:r>
+                          </m:sub>
+                        </m:sSub>
+                      </m:den>
+                    </m:f>
+                  </m:oMath>
+                </a14:m>
+                <a:endParaRPr lang="en-US" sz="3200" b="0" dirty="0"/>
+              </a:p>
+              <a:p>
+                <a:r>
+                  <a:rPr lang="en-US" sz="3200" dirty="0"/>
+                  <a:t>2) 	</a:t>
+                </a:r>
+                <a14:m>
+                  <m:oMath xmlns:m="http://schemas.openxmlformats.org/officeDocument/2006/math">
+                    <m:acc>
+                      <m:accPr>
+                        <m:chr m:val="̂"/>
+                        <m:ctrlPr>
+                          <a:rPr lang="en-US" sz="3200" i="1">
+                            <a:latin typeface="Cambria Math" panose="02040503050406030204" pitchFamily="18" charset="0"/>
+                          </a:rPr>
+                        </m:ctrlPr>
+                      </m:accPr>
+                      <m:e>
+                        <m:r>
+                          <a:rPr lang="en-US" sz="3200" i="1">
+                            <a:latin typeface="Cambria Math" panose="02040503050406030204" pitchFamily="18" charset="0"/>
+                          </a:rPr>
+                          <m:t>𝑅</m:t>
+                        </m:r>
+                      </m:e>
+                    </m:acc>
+                    <m:r>
+                      <a:rPr lang="en-US" sz="3200" b="0" i="1" smtClean="0">
+                        <a:latin typeface="Cambria Math" panose="02040503050406030204" pitchFamily="18" charset="0"/>
+                      </a:rPr>
+                      <m:t>=</m:t>
+                    </m:r>
+                    <m:f>
+                      <m:fPr>
+                        <m:ctrlPr>
+                          <a:rPr lang="en-US" sz="3200" i="1">
+                            <a:latin typeface="Cambria Math" panose="02040503050406030204" pitchFamily="18" charset="0"/>
+                          </a:rPr>
+                        </m:ctrlPr>
+                      </m:fPr>
+                      <m:num>
+                        <m:r>
+                          <a:rPr lang="en-US" sz="3200" i="1">
+                            <a:latin typeface="Cambria Math" panose="02040503050406030204" pitchFamily="18" charset="0"/>
+                          </a:rPr>
+                          <m:t>𝑆</m:t>
+                        </m:r>
+                      </m:num>
+                      <m:den>
+                        <m:r>
+                          <a:rPr lang="en-US" sz="3200" b="0" i="1" smtClean="0">
+                            <a:latin typeface="Cambria Math" panose="02040503050406030204" pitchFamily="18" charset="0"/>
+                          </a:rPr>
+                          <m:t>𝑎</m:t>
+                        </m:r>
+                        <m:r>
+                          <a:rPr lang="en-US" sz="3200" i="1">
+                            <a:latin typeface="Cambria Math" panose="02040503050406030204" pitchFamily="18" charset="0"/>
+                          </a:rPr>
+                          <m:t>+</m:t>
+                        </m:r>
+                        <m:r>
+                          <a:rPr lang="en-US" sz="3200" b="0" i="1" smtClean="0">
+                            <a:latin typeface="Cambria Math" panose="02040503050406030204" pitchFamily="18" charset="0"/>
+                          </a:rPr>
+                          <m:t>𝑏𝑆</m:t>
+                        </m:r>
+                      </m:den>
+                    </m:f>
+                  </m:oMath>
+                </a14:m>
+                <a:endParaRPr lang="en-US" sz="3200" dirty="0"/>
+              </a:p>
+              <a:p>
+                <a:endParaRPr lang="en-US" sz="3200" dirty="0"/>
+              </a:p>
+            </p:txBody>
+          </p:sp>
+        </mc:Choice>
+        <mc:Fallback>
+          <p:sp>
+            <p:nvSpPr>
+              <p:cNvPr id="3" name="TextBox 2">
+                <a:extLst>
+                  <a:ext uri="{FF2B5EF4-FFF2-40B4-BE49-F238E27FC236}">
+                    <a16:creationId xmlns:a16="http://schemas.microsoft.com/office/drawing/2014/main" id="{8A8B5AB9-0A51-49D3-88FB-AC0A7E84D490}"/>
+                  </a:ext>
+                </a:extLst>
+              </p:cNvPr>
+              <p:cNvSpPr txBox="1">
+                <a:spLocks noRot="1" noChangeAspect="1" noMove="1" noResize="1" noEditPoints="1" noAdjustHandles="1" noChangeArrowheads="1" noChangeShapeType="1" noTextEdit="1"/>
+              </p:cNvSpPr>
+              <p:nvPr/>
+            </p:nvSpPr>
+            <p:spPr>
+              <a:xfrm>
+                <a:off x="768724" y="1552802"/>
+                <a:ext cx="3568156" cy="2450927"/>
+              </a:xfrm>
+              <a:prstGeom prst="rect">
+                <a:avLst/>
+              </a:prstGeom>
+              <a:blipFill>
+                <a:blip r:embed="rId2"/>
+                <a:stretch>
+                  <a:fillRect l="-6838" t="-5224"/>
+                </a:stretch>
+              </a:blipFill>
+            </p:spPr>
+            <p:txBody>
+              <a:bodyPr/>
+              <a:lstStyle/>
+              <a:p>
+                <a:r>
+                  <a:rPr lang="en-US">
+                    <a:noFill/>
+                  </a:rPr>
+                  <a:t> </a:t>
+                </a:r>
+              </a:p>
+            </p:txBody>
+          </p:sp>
+        </mc:Fallback>
+      </mc:AlternateContent>
+      <mc:AlternateContent xmlns:mc="http://schemas.openxmlformats.org/markup-compatibility/2006">
+        <mc:Choice xmlns:a14="http://schemas.microsoft.com/office/drawing/2010/main" Requires="a14">
+          <p:sp>
+            <p:nvSpPr>
+              <p:cNvPr id="7" name="TextBox 6">
+                <a:extLst>
+                  <a:ext uri="{FF2B5EF4-FFF2-40B4-BE49-F238E27FC236}">
+                    <a16:creationId xmlns:a16="http://schemas.microsoft.com/office/drawing/2014/main" id="{2008407B-5F78-4836-B675-F5898F5170CE}"/>
+                  </a:ext>
+                </a:extLst>
+              </p:cNvPr>
+              <p:cNvSpPr txBox="1"/>
+              <p:nvPr/>
+            </p:nvSpPr>
+            <p:spPr>
+              <a:xfrm>
+                <a:off x="768724" y="4179834"/>
+                <a:ext cx="6064417" cy="3178306"/>
+              </a:xfrm>
+              <a:prstGeom prst="rect">
+                <a:avLst/>
+              </a:prstGeom>
+              <a:noFill/>
+            </p:spPr>
+            <p:txBody>
+              <a:bodyPr wrap="none" lIns="0" tIns="0" rIns="0" bIns="0" rtlCol="0">
+                <a:spAutoFit/>
+              </a:bodyPr>
+              <a:lstStyle/>
+              <a:p>
+                <a:r>
+                  <a:rPr lang="en-US" sz="3200" b="0" dirty="0"/>
+                  <a:t>Ricker</a:t>
+                </a:r>
+              </a:p>
+              <a:p>
+                <a:r>
+                  <a:rPr lang="en-US" sz="3200" dirty="0"/>
+                  <a:t>1) 	</a:t>
+                </a:r>
+                <a14:m>
+                  <m:oMath xmlns:m="http://schemas.openxmlformats.org/officeDocument/2006/math">
+                    <m:acc>
+                      <m:accPr>
+                        <m:chr m:val="̂"/>
+                        <m:ctrlPr>
+                          <a:rPr lang="en-US" sz="3200" b="0" i="1" smtClean="0">
+                            <a:latin typeface="Cambria Math" panose="02040503050406030204" pitchFamily="18" charset="0"/>
+                          </a:rPr>
+                        </m:ctrlPr>
+                      </m:accPr>
+                      <m:e>
+                        <m:r>
+                          <a:rPr lang="en-US" sz="3200" b="0" i="1" smtClean="0">
+                            <a:latin typeface="Cambria Math" panose="02040503050406030204" pitchFamily="18" charset="0"/>
+                          </a:rPr>
+                          <m:t>𝑅</m:t>
+                        </m:r>
+                      </m:e>
+                    </m:acc>
+                    <m:r>
+                      <a:rPr lang="en-US" sz="3200" b="0" i="1" smtClean="0">
+                        <a:latin typeface="Cambria Math" panose="02040503050406030204" pitchFamily="18" charset="0"/>
+                      </a:rPr>
+                      <m:t>=</m:t>
+                    </m:r>
+                    <m:sSub>
+                      <m:sSubPr>
+                        <m:ctrlPr>
+                          <a:rPr lang="en-US" sz="3200" b="0" i="1" smtClean="0">
+                            <a:latin typeface="Cambria Math" panose="02040503050406030204" pitchFamily="18" charset="0"/>
+                          </a:rPr>
+                        </m:ctrlPr>
+                      </m:sSubPr>
+                      <m:e>
+                        <m:r>
+                          <a:rPr lang="en-US" sz="3200" b="0" i="1" smtClean="0">
+                            <a:latin typeface="Cambria Math" panose="02040503050406030204" pitchFamily="18" charset="0"/>
+                          </a:rPr>
+                          <m:t>𝑅</m:t>
+                        </m:r>
+                      </m:e>
+                      <m:sub>
+                        <m:r>
+                          <a:rPr lang="en-US" sz="3200" b="0" i="1" smtClean="0">
+                            <a:latin typeface="Cambria Math" panose="02040503050406030204" pitchFamily="18" charset="0"/>
+                          </a:rPr>
+                          <m:t>𝑚𝑎𝑥</m:t>
+                        </m:r>
+                      </m:sub>
+                    </m:sSub>
+                    <m:f>
+                      <m:fPr>
+                        <m:ctrlPr>
+                          <a:rPr lang="en-US" sz="3200" b="0" i="1" smtClean="0">
+                            <a:latin typeface="Cambria Math" panose="02040503050406030204" pitchFamily="18" charset="0"/>
+                          </a:rPr>
+                        </m:ctrlPr>
+                      </m:fPr>
+                      <m:num>
+                        <m:r>
+                          <a:rPr lang="en-US" sz="3200" b="0" i="1" smtClean="0">
+                            <a:latin typeface="Cambria Math" panose="02040503050406030204" pitchFamily="18" charset="0"/>
+                          </a:rPr>
+                          <m:t>𝑆</m:t>
+                        </m:r>
+                      </m:num>
+                      <m:den>
+                        <m:r>
+                          <a:rPr lang="en-US" sz="3200" b="0" i="1" smtClean="0">
+                            <a:latin typeface="Cambria Math" panose="02040503050406030204" pitchFamily="18" charset="0"/>
+                          </a:rPr>
+                          <m:t>𝑆𝑚𝑎𝑥</m:t>
+                        </m:r>
+                      </m:den>
+                    </m:f>
+                    <m:r>
+                      <m:rPr>
+                        <m:sty m:val="p"/>
+                      </m:rPr>
+                      <a:rPr lang="en-US" sz="3200" b="0" i="0" smtClean="0">
+                        <a:latin typeface="Cambria Math" panose="02040503050406030204" pitchFamily="18" charset="0"/>
+                      </a:rPr>
+                      <m:t>exp</m:t>
+                    </m:r>
+                    <m:r>
+                      <a:rPr lang="en-US" sz="3200" b="0" i="1" smtClean="0">
+                        <a:latin typeface="Cambria Math" panose="02040503050406030204" pitchFamily="18" charset="0"/>
+                      </a:rPr>
+                      <m:t>⁡(</m:t>
+                    </m:r>
+                    <m:r>
+                      <a:rPr lang="en-US" sz="3200" i="1">
+                        <a:latin typeface="Cambria Math" panose="02040503050406030204" pitchFamily="18" charset="0"/>
+                      </a:rPr>
+                      <m:t>1−</m:t>
+                    </m:r>
+                    <m:f>
+                      <m:fPr>
+                        <m:ctrlPr>
+                          <a:rPr lang="en-US" sz="3200" i="1">
+                            <a:latin typeface="Cambria Math" panose="02040503050406030204" pitchFamily="18" charset="0"/>
+                          </a:rPr>
+                        </m:ctrlPr>
+                      </m:fPr>
+                      <m:num>
+                        <m:r>
+                          <a:rPr lang="en-US" sz="3200" i="1">
+                            <a:latin typeface="Cambria Math" panose="02040503050406030204" pitchFamily="18" charset="0"/>
+                          </a:rPr>
+                          <m:t>𝑆</m:t>
+                        </m:r>
+                      </m:num>
+                      <m:den>
+                        <m:r>
+                          <a:rPr lang="en-US" sz="3200" i="1">
+                            <a:latin typeface="Cambria Math" panose="02040503050406030204" pitchFamily="18" charset="0"/>
+                          </a:rPr>
+                          <m:t>𝑆𝑚𝑎𝑥</m:t>
+                        </m:r>
+                      </m:den>
+                    </m:f>
+                  </m:oMath>
+                </a14:m>
+                <a:r>
+                  <a:rPr lang="en-US" sz="3200" b="0" i="1" dirty="0"/>
+                  <a:t>)</a:t>
+                </a:r>
+              </a:p>
+              <a:p>
+                <a:endParaRPr lang="en-US" sz="3200" b="0" i="1" dirty="0"/>
+              </a:p>
+              <a:p>
+                <a:r>
+                  <a:rPr lang="en-US" sz="3200" dirty="0"/>
+                  <a:t>2) 	 </a:t>
+                </a:r>
+                <a14:m>
+                  <m:oMath xmlns:m="http://schemas.openxmlformats.org/officeDocument/2006/math">
+                    <m:acc>
+                      <m:accPr>
+                        <m:chr m:val="̂"/>
+                        <m:ctrlPr>
+                          <a:rPr lang="en-US" sz="3200" i="1">
+                            <a:latin typeface="Cambria Math" panose="02040503050406030204" pitchFamily="18" charset="0"/>
+                          </a:rPr>
+                        </m:ctrlPr>
+                      </m:accPr>
+                      <m:e>
+                        <m:r>
+                          <a:rPr lang="en-US" sz="3200" i="1">
+                            <a:latin typeface="Cambria Math" panose="02040503050406030204" pitchFamily="18" charset="0"/>
+                          </a:rPr>
+                          <m:t>𝑅</m:t>
+                        </m:r>
+                      </m:e>
+                    </m:acc>
+                    <m:r>
+                      <a:rPr lang="en-US" sz="3200" i="1">
+                        <a:latin typeface="Cambria Math" panose="02040503050406030204" pitchFamily="18" charset="0"/>
+                      </a:rPr>
+                      <m:t>=</m:t>
+                    </m:r>
+                    <m:r>
+                      <a:rPr lang="en-US" sz="3200" b="0" i="1" smtClean="0">
+                        <a:latin typeface="Cambria Math" panose="02040503050406030204" pitchFamily="18" charset="0"/>
+                      </a:rPr>
+                      <m:t>𝑎𝑆</m:t>
+                    </m:r>
+                    <m:sSup>
+                      <m:sSupPr>
+                        <m:ctrlPr>
+                          <a:rPr lang="en-US" sz="3200" b="0" i="1" smtClean="0">
+                            <a:latin typeface="Cambria Math" panose="02040503050406030204" pitchFamily="18" charset="0"/>
+                          </a:rPr>
+                        </m:ctrlPr>
+                      </m:sSupPr>
+                      <m:e>
+                        <m:r>
+                          <a:rPr lang="en-US" sz="3200" b="0" i="1" smtClean="0">
+                            <a:latin typeface="Cambria Math" panose="02040503050406030204" pitchFamily="18" charset="0"/>
+                          </a:rPr>
+                          <m:t>𝑒</m:t>
+                        </m:r>
+                      </m:e>
+                      <m:sup>
+                        <m:r>
+                          <a:rPr lang="en-US" sz="3200" b="0" i="1" smtClean="0">
+                            <a:latin typeface="Cambria Math" panose="02040503050406030204" pitchFamily="18" charset="0"/>
+                          </a:rPr>
+                          <m:t>−</m:t>
+                        </m:r>
+                        <m:r>
+                          <a:rPr lang="en-US" sz="3200" b="0" i="1" smtClean="0">
+                            <a:latin typeface="Cambria Math" panose="02040503050406030204" pitchFamily="18" charset="0"/>
+                          </a:rPr>
+                          <m:t>𝑏𝑆</m:t>
+                        </m:r>
+                      </m:sup>
+                    </m:sSup>
+                  </m:oMath>
+                </a14:m>
+                <a:endParaRPr lang="en-US" sz="3200" dirty="0"/>
+              </a:p>
+              <a:p>
+                <a:endParaRPr lang="en-US" sz="3200" dirty="0"/>
+              </a:p>
+              <a:p>
+                <a:endParaRPr lang="en-US" sz="3200" dirty="0"/>
+              </a:p>
+            </p:txBody>
+          </p:sp>
+        </mc:Choice>
+        <mc:Fallback>
+          <p:sp>
+            <p:nvSpPr>
+              <p:cNvPr id="7" name="TextBox 6">
+                <a:extLst>
+                  <a:ext uri="{FF2B5EF4-FFF2-40B4-BE49-F238E27FC236}">
+                    <a16:creationId xmlns:a16="http://schemas.microsoft.com/office/drawing/2014/main" id="{2008407B-5F78-4836-B675-F5898F5170CE}"/>
+                  </a:ext>
+                </a:extLst>
+              </p:cNvPr>
+              <p:cNvSpPr txBox="1">
+                <a:spLocks noRot="1" noChangeAspect="1" noMove="1" noResize="1" noEditPoints="1" noAdjustHandles="1" noChangeArrowheads="1" noChangeShapeType="1" noTextEdit="1"/>
+              </p:cNvSpPr>
+              <p:nvPr/>
+            </p:nvSpPr>
+            <p:spPr>
+              <a:xfrm>
+                <a:off x="768724" y="4179834"/>
+                <a:ext cx="6064417" cy="3178306"/>
+              </a:xfrm>
+              <a:prstGeom prst="rect">
+                <a:avLst/>
+              </a:prstGeom>
+              <a:blipFill>
+                <a:blip r:embed="rId3"/>
+                <a:stretch>
+                  <a:fillRect l="-4020" t="-4031" r="-3116"/>
+                </a:stretch>
+              </a:blipFill>
+            </p:spPr>
+            <p:txBody>
+              <a:bodyPr/>
+              <a:lstStyle/>
+              <a:p>
+                <a:r>
+                  <a:rPr lang="en-US">
+                    <a:noFill/>
+                  </a:rPr>
+                  <a:t> </a:t>
+                </a:r>
+              </a:p>
+            </p:txBody>
+          </p:sp>
+        </mc:Fallback>
+      </mc:AlternateContent>
     </p:spTree>
     <p:extLst>
       <p:ext uri="{BB962C8B-B14F-4D97-AF65-F5344CB8AC3E}">
         <p14:creationId xmlns:p14="http://schemas.microsoft.com/office/powerpoint/2010/main" val="1821031492"/>
-      </p:ext>
-    </p:extLst>
-  </p:cSld>
-  <p:clrMapOvr>
-    <a:masterClrMapping/>
-  </p:clrMapOvr>
-</p:sld>
-</file>
-
-<file path=ppt/slides/slide4.xml><?xml version="1.0" encoding="utf-8"?>
-<p:sld xmlns:a="http://schemas.openxmlformats.org/drawingml/2006/main" xmlns:r="http://schemas.openxmlformats.org/officeDocument/2006/relationships" xmlns:p="http://schemas.openxmlformats.org/presentationml/2006/main">
-  <p:cSld>
-    <p:spTree>
-      <p:nvGrpSpPr>
-        <p:cNvPr id="1" name=""/>
-        <p:cNvGrpSpPr/>
-        <p:nvPr/>
-      </p:nvGrpSpPr>
-      <p:grpSpPr>
-        <a:xfrm>
-          <a:off x="0" y="0"/>
-          <a:ext cx="0" cy="0"/>
-          <a:chOff x="0" y="0"/>
-          <a:chExt cx="0" cy="0"/>
-        </a:xfrm>
-      </p:grpSpPr>
-      <p:sp>
-        <p:nvSpPr>
-          <p:cNvPr id="2" name="Title 1">
-            <a:extLst>
-              <a:ext uri="{FF2B5EF4-FFF2-40B4-BE49-F238E27FC236}">
-                <a16:creationId xmlns:a16="http://schemas.microsoft.com/office/drawing/2014/main" id="{AC45932E-DF6B-4BDB-B296-C5A0BCAA3296}"/>
-              </a:ext>
-            </a:extLst>
-          </p:cNvPr>
-          <p:cNvSpPr>
-            <a:spLocks noGrp="1"/>
-          </p:cNvSpPr>
-          <p:nvPr>
-            <p:ph type="title"/>
-          </p:nvPr>
-        </p:nvSpPr>
-        <p:spPr/>
-        <p:txBody>
-          <a:bodyPr/>
-          <a:lstStyle/>
-          <a:p>
-            <a:r>
-              <a:rPr lang="en-US" dirty="0">
-                <a:latin typeface="Helvetica" panose="020B0504020202030204" pitchFamily="34" charset="0"/>
-              </a:rPr>
-              <a:t>Ricker stock-recruit parameters</a:t>
-            </a:r>
-          </a:p>
-        </p:txBody>
-      </p:sp>
-      <p:pic>
-        <p:nvPicPr>
-          <p:cNvPr id="4" name="Picture 3">
-            <a:extLst>
-              <a:ext uri="{FF2B5EF4-FFF2-40B4-BE49-F238E27FC236}">
-                <a16:creationId xmlns:a16="http://schemas.microsoft.com/office/drawing/2014/main" id="{C678CE66-3767-4123-9EAE-37A26ABFCA6D}"/>
-              </a:ext>
-            </a:extLst>
-          </p:cNvPr>
-          <p:cNvPicPr>
-            <a:picLocks noChangeAspect="1"/>
-          </p:cNvPicPr>
-          <p:nvPr/>
-        </p:nvPicPr>
-        <p:blipFill>
-          <a:blip r:embed="rId2"/>
-          <a:stretch>
-            <a:fillRect/>
-          </a:stretch>
-        </p:blipFill>
-        <p:spPr>
-          <a:xfrm>
-            <a:off x="470808" y="2020660"/>
-            <a:ext cx="8115300" cy="2686050"/>
-          </a:xfrm>
-          <a:prstGeom prst="rect">
-            <a:avLst/>
-          </a:prstGeom>
-        </p:spPr>
-      </p:pic>
-    </p:spTree>
-    <p:extLst>
-      <p:ext uri="{BB962C8B-B14F-4D97-AF65-F5344CB8AC3E}">
-        <p14:creationId xmlns:p14="http://schemas.microsoft.com/office/powerpoint/2010/main" val="2358195972"/>
       </p:ext>
     </p:extLst>
   </p:cSld>
